--- a/web/b23/3 Publication Traditions.pptx
+++ b/web/b23/3 Publication Traditions.pptx
@@ -5,10 +5,10 @@
     <p:sldMasterId id="2147483648" r:id="rId1"/>
   </p:sldMasterIdLst>
   <p:notesMasterIdLst>
-    <p:notesMasterId r:id="rId20"/>
+    <p:notesMasterId r:id="rId19"/>
   </p:notesMasterIdLst>
   <p:handoutMasterIdLst>
-    <p:handoutMasterId r:id="rId21"/>
+    <p:handoutMasterId r:id="rId20"/>
   </p:handoutMasterIdLst>
   <p:sldIdLst>
     <p:sldId id="375" r:id="rId2"/>
@@ -26,9 +26,8 @@
     <p:sldId id="422" r:id="rId14"/>
     <p:sldId id="423" r:id="rId15"/>
     <p:sldId id="424" r:id="rId16"/>
-    <p:sldId id="426" r:id="rId17"/>
-    <p:sldId id="427" r:id="rId18"/>
-    <p:sldId id="334" r:id="rId19"/>
+    <p:sldId id="427" r:id="rId17"/>
+    <p:sldId id="334" r:id="rId18"/>
   </p:sldIdLst>
   <p:sldSz cx="9144000" cy="6858000" type="screen4x3"/>
   <p:notesSz cx="7099300" cy="10234613"/>
@@ -177,7 +176,6 @@
             <p14:sldId id="422"/>
             <p14:sldId id="423"/>
             <p14:sldId id="424"/>
-            <p14:sldId id="426"/>
             <p14:sldId id="427"/>
             <p14:sldId id="334"/>
           </p14:sldIdLst>
@@ -2051,96 +2049,6 @@
       </p:grpSpPr>
       <p:sp>
         <p:nvSpPr>
-          <p:cNvPr id="2" name="Slide Image Placeholder 1"/>
-          <p:cNvSpPr>
-            <a:spLocks noGrp="1" noRot="1" noChangeAspect="1"/>
-          </p:cNvSpPr>
-          <p:nvPr>
-            <p:ph type="sldImg"/>
-          </p:nvPr>
-        </p:nvSpPr>
-        <p:spPr/>
-      </p:sp>
-      <p:sp>
-        <p:nvSpPr>
-          <p:cNvPr id="3" name="Notes Placeholder 2"/>
-          <p:cNvSpPr>
-            <a:spLocks noGrp="1"/>
-          </p:cNvSpPr>
-          <p:nvPr>
-            <p:ph type="body" idx="1"/>
-          </p:nvPr>
-        </p:nvSpPr>
-        <p:spPr/>
-        <p:txBody>
-          <a:bodyPr/>
-          <a:lstStyle/>
-          <a:p>
-            <a:endParaRPr lang="da-DK" dirty="0"/>
-          </a:p>
-        </p:txBody>
-      </p:sp>
-      <p:sp>
-        <p:nvSpPr>
-          <p:cNvPr id="4" name="Slide Number Placeholder 3"/>
-          <p:cNvSpPr>
-            <a:spLocks noGrp="1"/>
-          </p:cNvSpPr>
-          <p:nvPr>
-            <p:ph type="sldNum" sz="quarter" idx="10"/>
-          </p:nvPr>
-        </p:nvSpPr>
-        <p:spPr/>
-        <p:txBody>
-          <a:bodyPr/>
-          <a:lstStyle/>
-          <a:p>
-            <a:pPr>
-              <a:defRPr/>
-            </a:pPr>
-            <a:fld id="{E392DC24-3004-4372-BE92-7F24D50BA456}" type="slidenum">
-              <a:rPr lang="da-DK" altLang="da-DK" smtClean="0"/>
-              <a:pPr>
-                <a:defRPr/>
-              </a:pPr>
-              <a:t>16</a:t>
-            </a:fld>
-            <a:endParaRPr lang="da-DK" altLang="da-DK"/>
-          </a:p>
-        </p:txBody>
-      </p:sp>
-    </p:spTree>
-    <p:extLst>
-      <p:ext uri="{BB962C8B-B14F-4D97-AF65-F5344CB8AC3E}">
-        <p14:creationId xmlns:p14="http://schemas.microsoft.com/office/powerpoint/2010/main" val="1459294053"/>
-      </p:ext>
-    </p:extLst>
-  </p:cSld>
-  <p:clrMapOvr>
-    <a:masterClrMapping/>
-  </p:clrMapOvr>
-</p:notes>
-</file>
-
-<file path=ppt/notesSlides/notesSlide17.xml><?xml version="1.0" encoding="utf-8"?>
-<p:notes xmlns:a="http://schemas.openxmlformats.org/drawingml/2006/main" xmlns:r="http://schemas.openxmlformats.org/officeDocument/2006/relationships" xmlns:p="http://schemas.openxmlformats.org/presentationml/2006/main">
-  <p:cSld>
-    <p:spTree>
-      <p:nvGrpSpPr>
-        <p:cNvPr id="1" name=""/>
-        <p:cNvGrpSpPr/>
-        <p:nvPr/>
-      </p:nvGrpSpPr>
-      <p:grpSpPr>
-        <a:xfrm>
-          <a:off x="0" y="0"/>
-          <a:ext cx="0" cy="0"/>
-          <a:chOff x="0" y="0"/>
-          <a:chExt cx="0" cy="0"/>
-        </a:xfrm>
-      </p:grpSpPr>
-      <p:sp>
-        <p:nvSpPr>
           <p:cNvPr id="10242" name="Rectangle 7"/>
           <p:cNvSpPr>
             <a:spLocks noGrp="1" noChangeArrowheads="1"/>
@@ -2313,7 +2221,7 @@
                   <a:spcPct val="0"/>
                 </a:spcBef>
               </a:pPr>
-              <a:t>18</a:t>
+              <a:t>17</a:t>
             </a:fld>
             <a:endParaRPr lang="da-DK" altLang="da-DK" sz="1300">
               <a:solidFill>
@@ -4971,65 +4879,33 @@
           <a:p>
             <a:pPr marL="271463" lvl="1" indent="-271463">
               <a:spcBef>
-                <a:spcPts val="800"/>
+                <a:spcPts val="1200"/>
               </a:spcBef>
               <a:buChar char="•"/>
             </a:pPr>
             <a:r>
-              <a:rPr lang="en-US" altLang="da-DK" sz="1800" b="1" dirty="0" smtClean="0">
+              <a:rPr lang="en-GB" altLang="da-DK" sz="1800" b="1" dirty="0" smtClean="0">
                 <a:solidFill>
                   <a:srgbClr val="A50021"/>
                 </a:solidFill>
               </a:rPr>
-              <a:t>Bibliographic research indicator (BFI)</a:t>
-            </a:r>
-          </a:p>
-          <a:p>
-            <a:pPr marL="728663" lvl="1" indent="-271463">
-              <a:spcBef>
-                <a:spcPts val="200"/>
-              </a:spcBef>
-            </a:pPr>
-            <a:r>
-              <a:rPr lang="en-US" altLang="da-DK" sz="1600" dirty="0">
-                <a:latin typeface="+mn-lt"/>
-                <a:ea typeface="+mn-ea"/>
-              </a:rPr>
-              <a:t>Danish system to measure research production and </a:t>
-            </a:r>
-            <a:r>
-              <a:rPr lang="en-US" altLang="da-DK" sz="1600" dirty="0" smtClean="0">
-                <a:latin typeface="+mn-lt"/>
-                <a:ea typeface="+mn-ea"/>
-              </a:rPr>
-              <a:t>distribute</a:t>
-            </a:r>
-            <a:br>
-              <a:rPr lang="en-US" altLang="da-DK" sz="1600" dirty="0" smtClean="0">
-                <a:latin typeface="+mn-lt"/>
-                <a:ea typeface="+mn-ea"/>
-              </a:rPr>
-            </a:br>
-            <a:r>
-              <a:rPr lang="en-US" altLang="da-DK" sz="1600" dirty="0" smtClean="0">
-                <a:latin typeface="+mn-lt"/>
-                <a:ea typeface="+mn-ea"/>
-              </a:rPr>
-              <a:t>money </a:t>
-            </a:r>
-            <a:r>
-              <a:rPr lang="en-US" altLang="da-DK" sz="1600" dirty="0">
-                <a:latin typeface="+mn-lt"/>
-                <a:ea typeface="+mn-ea"/>
-              </a:rPr>
-              <a:t>to the </a:t>
-            </a:r>
-            <a:r>
-              <a:rPr lang="en-US" altLang="da-DK" sz="1600" dirty="0" smtClean="0">
-                <a:latin typeface="+mn-lt"/>
-                <a:ea typeface="+mn-ea"/>
-              </a:rPr>
-              <a:t>universities</a:t>
+              <a:t>AU </a:t>
+            </a:r>
+            <a:r>
+              <a:rPr lang="en-GB" altLang="da-DK" sz="1800" b="1" dirty="0">
+                <a:solidFill>
+                  <a:srgbClr val="A50021"/>
+                </a:solidFill>
+              </a:rPr>
+              <a:t>Library in the Nygaard </a:t>
+            </a:r>
+            <a:r>
+              <a:rPr lang="en-GB" altLang="da-DK" sz="1800" b="1" dirty="0" smtClean="0">
+                <a:solidFill>
+                  <a:srgbClr val="A50021"/>
+                </a:solidFill>
+              </a:rPr>
+              <a:t>building</a:t>
             </a:r>
           </a:p>
           <a:p>
@@ -5039,22 +4915,19 @@
               </a:spcBef>
               <a:buChar char="•"/>
             </a:pPr>
-            <a:r>
-              <a:rPr lang="en-GB" altLang="da-DK" sz="1800" b="1" dirty="0">
-                <a:solidFill>
-                  <a:srgbClr val="A50021"/>
-                </a:solidFill>
-              </a:rPr>
-              <a:t>AU Library in the Nygaard </a:t>
-            </a:r>
-            <a:r>
-              <a:rPr lang="en-GB" altLang="da-DK" sz="1800" b="1" dirty="0" smtClean="0">
-                <a:solidFill>
-                  <a:srgbClr val="A50021"/>
-                </a:solidFill>
-              </a:rPr>
-              <a:t>building</a:t>
-            </a:r>
+            <a:endParaRPr lang="da-DK" altLang="da-DK" sz="1800" b="1" dirty="0" smtClean="0">
+              <a:solidFill>
+                <a:srgbClr val="A50021"/>
+              </a:solidFill>
+            </a:endParaRPr>
+          </a:p>
+          <a:p>
+            <a:pPr marL="271463" lvl="1" indent="-271463">
+              <a:spcBef>
+                <a:spcPts val="1200"/>
+              </a:spcBef>
+              <a:buChar char="•"/>
+            </a:pPr>
             <a:endParaRPr lang="da-DK" altLang="da-DK" sz="1800" b="1" dirty="0">
               <a:solidFill>
                 <a:srgbClr val="A50021"/>
@@ -5064,27 +4937,17 @@
           <a:p>
             <a:pPr marL="271463" lvl="1" indent="-271463">
               <a:spcBef>
-                <a:spcPts val="2400"/>
+                <a:spcPts val="1200"/>
               </a:spcBef>
               <a:buChar char="•"/>
             </a:pPr>
             <a:r>
-              <a:rPr lang="en-GB" altLang="da-DK" sz="1800" b="1" dirty="0" smtClean="0">
-                <a:solidFill>
-                  <a:srgbClr val="7030A0"/>
-                </a:solidFill>
-                <a:cs typeface="ＭＳ Ｐゴシック" charset="0"/>
-              </a:rPr>
-              <a:t>Publication </a:t>
-            </a:r>
-            <a:r>
               <a:rPr lang="en-GB" altLang="da-DK" sz="1800" b="1" dirty="0">
                 <a:solidFill>
-                  <a:srgbClr val="7030A0"/>
-                </a:solidFill>
-                <a:cs typeface="ＭＳ Ｐゴシック" charset="0"/>
-              </a:rPr>
-              <a:t>traditions vary a lot from research area to research area</a:t>
+                  <a:srgbClr val="A50021"/>
+                </a:solidFill>
+              </a:rPr>
+              <a:t>Publication traditions vary a lot from research area to research area</a:t>
             </a:r>
           </a:p>
           <a:p>
@@ -5686,15 +5549,7 @@
             </a:pPr>
             <a:r>
               <a:rPr lang="en-GB" altLang="da-DK" sz="1600" dirty="0" smtClean="0"/>
-              <a:t>I have only published </a:t>
-            </a:r>
-            <a:r>
-              <a:rPr lang="en-GB" altLang="da-DK" sz="1600" dirty="0" smtClean="0"/>
-              <a:t>2 </a:t>
-            </a:r>
-            <a:r>
-              <a:rPr lang="en-GB" altLang="da-DK" sz="1600" dirty="0" smtClean="0"/>
-              <a:t>papers over the</a:t>
+              <a:t>I have only published 2 papers over the</a:t>
             </a:r>
             <a:br>
               <a:rPr lang="en-GB" altLang="da-DK" sz="1600" dirty="0" smtClean="0"/>
@@ -5755,8 +5610,8 @@
         </p:nvGrpSpPr>
         <p:grpSpPr>
           <a:xfrm>
-            <a:off x="5436096" y="2675566"/>
-            <a:ext cx="3438128" cy="3615010"/>
+            <a:off x="5436096" y="2973994"/>
+            <a:ext cx="3438128" cy="3335776"/>
             <a:chOff x="5436096" y="2675566"/>
             <a:chExt cx="3438128" cy="3615010"/>
           </a:xfrm>
@@ -5829,6 +5684,70 @@
           </p:txBody>
         </p:sp>
       </p:grpSp>
+      <p:sp>
+        <p:nvSpPr>
+          <p:cNvPr id="10" name="TextBox 9"/>
+          <p:cNvSpPr txBox="1"/>
+          <p:nvPr/>
+        </p:nvSpPr>
+        <p:spPr>
+          <a:xfrm>
+            <a:off x="4582548" y="2520280"/>
+            <a:ext cx="4588674" cy="461665"/>
+          </a:xfrm>
+          <a:prstGeom prst="rect">
+            <a:avLst/>
+          </a:prstGeom>
+          <a:noFill/>
+        </p:spPr>
+        <p:txBody>
+          <a:bodyPr wrap="square" rtlCol="0">
+            <a:spAutoFit/>
+          </a:bodyPr>
+          <a:lstStyle/>
+          <a:p>
+            <a:r>
+              <a:rPr lang="da-DK" sz="1200" b="1" dirty="0" smtClean="0">
+                <a:solidFill>
+                  <a:srgbClr val="FF0000"/>
+                </a:solidFill>
+              </a:rPr>
+              <a:t>Denne og de efterfølgende screen </a:t>
+            </a:r>
+            <a:r>
+              <a:rPr lang="da-DK" sz="1200" b="1" dirty="0" err="1" smtClean="0">
+                <a:solidFill>
+                  <a:srgbClr val="FF0000"/>
+                </a:solidFill>
+              </a:rPr>
+              <a:t>shots</a:t>
+            </a:r>
+            <a:r>
+              <a:rPr lang="da-DK" sz="1200" b="1" dirty="0" smtClean="0">
+                <a:solidFill>
+                  <a:srgbClr val="FF0000"/>
+                </a:solidFill>
+              </a:rPr>
+              <a:t> er fra Februar 2022</a:t>
+            </a:r>
+          </a:p>
+          <a:p>
+            <a:r>
+              <a:rPr lang="da-DK" sz="1200" b="1" dirty="0" smtClean="0">
+                <a:solidFill>
+                  <a:srgbClr val="FF0000"/>
+                </a:solidFill>
+              </a:rPr>
+              <a:t>I dag er tallene lidt andeledes, men formatet det samme</a:t>
+            </a:r>
+            <a:endParaRPr lang="da-DK" sz="1200" b="1" dirty="0">
+              <a:solidFill>
+                <a:srgbClr val="FF0000"/>
+              </a:solidFill>
+            </a:endParaRPr>
+          </a:p>
+        </p:txBody>
+      </p:sp>
     </p:spTree>
     <p:extLst>
       <p:ext uri="{BB962C8B-B14F-4D97-AF65-F5344CB8AC3E}">
@@ -5842,9 +5761,83 @@
   <p:timing>
     <p:tnLst>
       <p:par>
-        <p:cTn id="1" dur="indefinite" restart="never" nodeType="tmRoot"/>
+        <p:cTn id="1" dur="indefinite" restart="never" nodeType="tmRoot">
+          <p:childTnLst>
+            <p:seq concurrent="1" nextAc="seek">
+              <p:cTn id="2" dur="indefinite" nodeType="mainSeq">
+                <p:childTnLst>
+                  <p:par>
+                    <p:cTn id="3" fill="hold">
+                      <p:stCondLst>
+                        <p:cond delay="indefinite"/>
+                        <p:cond evt="onBegin" delay="0">
+                          <p:tn val="2"/>
+                        </p:cond>
+                      </p:stCondLst>
+                      <p:childTnLst>
+                        <p:par>
+                          <p:cTn id="4" fill="hold">
+                            <p:stCondLst>
+                              <p:cond delay="0"/>
+                            </p:stCondLst>
+                            <p:childTnLst>
+                              <p:par>
+                                <p:cTn id="5" presetID="1" presetClass="entr" presetSubtype="0" fill="hold" grpId="0" nodeType="withEffect">
+                                  <p:stCondLst>
+                                    <p:cond delay="0"/>
+                                  </p:stCondLst>
+                                  <p:childTnLst>
+                                    <p:set>
+                                      <p:cBhvr>
+                                        <p:cTn id="6" dur="1" fill="hold">
+                                          <p:stCondLst>
+                                            <p:cond delay="0"/>
+                                          </p:stCondLst>
+                                        </p:cTn>
+                                        <p:tgtEl>
+                                          <p:spTgt spid="10"/>
+                                        </p:tgtEl>
+                                        <p:attrNameLst>
+                                          <p:attrName>style.visibility</p:attrName>
+                                        </p:attrNameLst>
+                                      </p:cBhvr>
+                                      <p:to>
+                                        <p:strVal val="visible"/>
+                                      </p:to>
+                                    </p:set>
+                                  </p:childTnLst>
+                                </p:cTn>
+                              </p:par>
+                            </p:childTnLst>
+                          </p:cTn>
+                        </p:par>
+                      </p:childTnLst>
+                    </p:cTn>
+                  </p:par>
+                </p:childTnLst>
+              </p:cTn>
+              <p:prevCondLst>
+                <p:cond evt="onPrev" delay="0">
+                  <p:tgtEl>
+                    <p:sldTgt/>
+                  </p:tgtEl>
+                </p:cond>
+              </p:prevCondLst>
+              <p:nextCondLst>
+                <p:cond evt="onNext" delay="0">
+                  <p:tgtEl>
+                    <p:sldTgt/>
+                  </p:tgtEl>
+                </p:cond>
+              </p:nextCondLst>
+            </p:seq>
+          </p:childTnLst>
+        </p:cTn>
       </p:par>
     </p:tnLst>
+    <p:bldLst>
+      <p:bldP spid="10" grpId="0"/>
+    </p:bldLst>
   </p:timing>
 </p:sld>
 </file>
@@ -7417,7 +7410,23 @@
                   <a:srgbClr val="0000CC"/>
                 </a:solidFill>
               </a:rPr>
-              <a:t>In some research areas, it may also be important to search for patents</a:t>
+              <a:t>In some research areas, it may also be </a:t>
+            </a:r>
+            <a:r>
+              <a:rPr lang="en-US" sz="1200" b="1" dirty="0" smtClean="0">
+                <a:solidFill>
+                  <a:srgbClr val="0000CC"/>
+                </a:solidFill>
+              </a:rPr>
+              <a:t>interesting </a:t>
+            </a:r>
+            <a:r>
+              <a:rPr lang="en-US" sz="1200" b="1" dirty="0" smtClean="0">
+                <a:solidFill>
+                  <a:srgbClr val="0000CC"/>
+                </a:solidFill>
+              </a:rPr>
+              <a:t>to search for patents</a:t>
             </a:r>
             <a:endParaRPr lang="en-US" sz="1200" b="1" dirty="0">
               <a:solidFill>
@@ -9317,717 +9326,6 @@
           <a:chExt cx="0" cy="0"/>
         </a:xfrm>
       </p:grpSpPr>
-      <p:sp>
-        <p:nvSpPr>
-          <p:cNvPr id="10243" name="Rectangle 2"/>
-          <p:cNvSpPr>
-            <a:spLocks noGrp="1" noChangeArrowheads="1"/>
-          </p:cNvSpPr>
-          <p:nvPr>
-            <p:ph type="title"/>
-          </p:nvPr>
-        </p:nvSpPr>
-        <p:spPr>
-          <a:xfrm>
-            <a:off x="379165" y="282401"/>
-            <a:ext cx="8657332" cy="609600"/>
-          </a:xfrm>
-        </p:spPr>
-        <p:txBody>
-          <a:bodyPr/>
-          <a:lstStyle/>
-          <a:p>
-            <a:pPr eaLnBrk="1" hangingPunct="1">
-              <a:defRPr/>
-            </a:pPr>
-            <a:r>
-              <a:rPr lang="en-US" altLang="da-DK" sz="2800" dirty="0"/>
-              <a:t>Bibliographic Research Indicator (BFI)</a:t>
-            </a:r>
-          </a:p>
-        </p:txBody>
-      </p:sp>
-      <p:sp>
-        <p:nvSpPr>
-          <p:cNvPr id="5" name="Rectangle 3"/>
-          <p:cNvSpPr txBox="1">
-            <a:spLocks noChangeArrowheads="1"/>
-          </p:cNvSpPr>
-          <p:nvPr/>
-        </p:nvSpPr>
-        <p:spPr bwMode="auto">
-          <a:xfrm>
-            <a:off x="468313" y="1018381"/>
-            <a:ext cx="8280151" cy="394395"/>
-          </a:xfrm>
-          <a:prstGeom prst="rect">
-            <a:avLst/>
-          </a:prstGeom>
-          <a:noFill/>
-          <a:ln>
-            <a:noFill/>
-          </a:ln>
-          <a:effectLst/>
-          <a:extLst>
-            <a:ext uri="{909E8E84-426E-40DD-AFC4-6F175D3DCCD1}">
-              <a14:hiddenFill xmlns:a14="http://schemas.microsoft.com/office/drawing/2010/main">
-                <a:solidFill>
-                  <a:schemeClr val="accent1"/>
-                </a:solidFill>
-              </a14:hiddenFill>
-            </a:ext>
-            <a:ext uri="{91240B29-F687-4F45-9708-019B960494DF}">
-              <a14:hiddenLine xmlns:a14="http://schemas.microsoft.com/office/drawing/2010/main" w="9525">
-                <a:solidFill>
-                  <a:schemeClr val="tx1"/>
-                </a:solidFill>
-                <a:miter lim="800000"/>
-                <a:headEnd/>
-                <a:tailEnd/>
-              </a14:hiddenLine>
-            </a:ext>
-            <a:ext uri="{AF507438-7753-43E0-B8FC-AC1667EBCBE1}">
-              <a14:hiddenEffects xmlns:a14="http://schemas.microsoft.com/office/drawing/2010/main">
-                <a:effectLst>
-                  <a:outerShdw blurRad="63500" dist="38099" dir="2700000" algn="ctr" rotWithShape="0">
-                    <a:schemeClr val="bg2">
-                      <a:alpha val="74998"/>
-                    </a:schemeClr>
-                  </a:outerShdw>
-                </a:effectLst>
-              </a14:hiddenEffects>
-            </a:ext>
-            <a:ext uri="{FAA26D3D-D897-4be2-8F04-BA451C77F1D7}"/>
-          </a:extLst>
-        </p:spPr>
-        <p:txBody>
-          <a:bodyPr vert="horz" wrap="square" lIns="91440" tIns="45720" rIns="91440" bIns="45720" numCol="1" anchor="t" anchorCtr="0" compatLnSpc="1">
-            <a:prstTxWarp prst="textNoShape">
-              <a:avLst/>
-            </a:prstTxWarp>
-          </a:bodyPr>
-          <a:lstStyle>
-            <a:lvl1pPr marL="342900" indent="-342900" algn="l" rtl="0" eaLnBrk="0" fontAlgn="base" hangingPunct="0">
-              <a:spcBef>
-                <a:spcPct val="20000"/>
-              </a:spcBef>
-              <a:spcAft>
-                <a:spcPct val="0"/>
-              </a:spcAft>
-              <a:buChar char="•"/>
-              <a:defRPr sz="2400" b="1">
-                <a:solidFill>
-                  <a:srgbClr val="A50021"/>
-                </a:solidFill>
-                <a:latin typeface="+mn-lt"/>
-                <a:ea typeface="+mn-ea"/>
-                <a:cs typeface="ＭＳ Ｐゴシック" charset="0"/>
-              </a:defRPr>
-            </a:lvl1pPr>
-            <a:lvl2pPr marL="742950" indent="-285750" algn="l" rtl="0" eaLnBrk="0" fontAlgn="base" hangingPunct="0">
-              <a:spcBef>
-                <a:spcPct val="20000"/>
-              </a:spcBef>
-              <a:spcAft>
-                <a:spcPct val="0"/>
-              </a:spcAft>
-              <a:buChar char="–"/>
-              <a:defRPr sz="2000">
-                <a:solidFill>
-                  <a:srgbClr val="000066"/>
-                </a:solidFill>
-                <a:latin typeface="+mn-lt"/>
-                <a:ea typeface="+mn-ea"/>
-              </a:defRPr>
-            </a:lvl2pPr>
-            <a:lvl3pPr marL="1143000" indent="-228600" algn="l" rtl="0" eaLnBrk="0" fontAlgn="base" hangingPunct="0">
-              <a:spcBef>
-                <a:spcPct val="20000"/>
-              </a:spcBef>
-              <a:spcAft>
-                <a:spcPct val="0"/>
-              </a:spcAft>
-              <a:buChar char="•"/>
-              <a:defRPr sz="1600">
-                <a:solidFill>
-                  <a:srgbClr val="000066"/>
-                </a:solidFill>
-                <a:latin typeface="+mn-lt"/>
-                <a:ea typeface="+mn-ea"/>
-              </a:defRPr>
-            </a:lvl3pPr>
-            <a:lvl4pPr marL="1600200" indent="-228600" algn="l" rtl="0" eaLnBrk="0" fontAlgn="base" hangingPunct="0">
-              <a:spcBef>
-                <a:spcPct val="20000"/>
-              </a:spcBef>
-              <a:spcAft>
-                <a:spcPct val="0"/>
-              </a:spcAft>
-              <a:buChar char="–"/>
-              <a:defRPr sz="1600">
-                <a:solidFill>
-                  <a:schemeClr val="tx1"/>
-                </a:solidFill>
-                <a:latin typeface="Times New Roman" charset="0"/>
-                <a:ea typeface="+mn-ea"/>
-              </a:defRPr>
-            </a:lvl4pPr>
-            <a:lvl5pPr marL="2057400" indent="-228600" algn="l" rtl="0" eaLnBrk="0" fontAlgn="base" hangingPunct="0">
-              <a:spcBef>
-                <a:spcPct val="20000"/>
-              </a:spcBef>
-              <a:spcAft>
-                <a:spcPct val="0"/>
-              </a:spcAft>
-              <a:buChar char="»"/>
-              <a:defRPr sz="1200">
-                <a:solidFill>
-                  <a:schemeClr val="tx1"/>
-                </a:solidFill>
-                <a:latin typeface="Times New Roman" charset="0"/>
-                <a:ea typeface="+mn-ea"/>
-              </a:defRPr>
-            </a:lvl5pPr>
-            <a:lvl6pPr marL="2514600" indent="-228600" algn="l" rtl="0" fontAlgn="base">
-              <a:spcBef>
-                <a:spcPct val="20000"/>
-              </a:spcBef>
-              <a:spcAft>
-                <a:spcPct val="0"/>
-              </a:spcAft>
-              <a:buChar char="»"/>
-              <a:defRPr sz="1200">
-                <a:solidFill>
-                  <a:schemeClr val="tx1"/>
-                </a:solidFill>
-                <a:latin typeface="Times New Roman" charset="0"/>
-                <a:ea typeface="+mn-ea"/>
-              </a:defRPr>
-            </a:lvl6pPr>
-            <a:lvl7pPr marL="2971800" indent="-228600" algn="l" rtl="0" fontAlgn="base">
-              <a:spcBef>
-                <a:spcPct val="20000"/>
-              </a:spcBef>
-              <a:spcAft>
-                <a:spcPct val="0"/>
-              </a:spcAft>
-              <a:buChar char="»"/>
-              <a:defRPr sz="1200">
-                <a:solidFill>
-                  <a:schemeClr val="tx1"/>
-                </a:solidFill>
-                <a:latin typeface="Times New Roman" charset="0"/>
-                <a:ea typeface="+mn-ea"/>
-              </a:defRPr>
-            </a:lvl7pPr>
-            <a:lvl8pPr marL="3429000" indent="-228600" algn="l" rtl="0" fontAlgn="base">
-              <a:spcBef>
-                <a:spcPct val="20000"/>
-              </a:spcBef>
-              <a:spcAft>
-                <a:spcPct val="0"/>
-              </a:spcAft>
-              <a:buChar char="»"/>
-              <a:defRPr sz="1200">
-                <a:solidFill>
-                  <a:schemeClr val="tx1"/>
-                </a:solidFill>
-                <a:latin typeface="Times New Roman" charset="0"/>
-                <a:ea typeface="+mn-ea"/>
-              </a:defRPr>
-            </a:lvl8pPr>
-            <a:lvl9pPr marL="3886200" indent="-228600" algn="l" rtl="0" fontAlgn="base">
-              <a:spcBef>
-                <a:spcPct val="20000"/>
-              </a:spcBef>
-              <a:spcAft>
-                <a:spcPct val="0"/>
-              </a:spcAft>
-              <a:buChar char="»"/>
-              <a:defRPr sz="1200">
-                <a:solidFill>
-                  <a:schemeClr val="tx1"/>
-                </a:solidFill>
-                <a:latin typeface="Times New Roman" charset="0"/>
-                <a:ea typeface="+mn-ea"/>
-              </a:defRPr>
-            </a:lvl9pPr>
-          </a:lstStyle>
-          <a:p>
-            <a:pPr marL="271463" lvl="1" indent="-271463">
-              <a:spcBef>
-                <a:spcPts val="1200"/>
-              </a:spcBef>
-              <a:buFontTx/>
-              <a:buChar char="•"/>
-            </a:pPr>
-            <a:endParaRPr lang="en-GB" altLang="da-DK" sz="1800" b="1" kern="0" spc="-50" dirty="0" smtClean="0">
-              <a:solidFill>
-                <a:srgbClr val="A50021"/>
-              </a:solidFill>
-              <a:cs typeface="ＭＳ Ｐゴシック" charset="0"/>
-            </a:endParaRPr>
-          </a:p>
-        </p:txBody>
-      </p:sp>
-      <p:sp>
-        <p:nvSpPr>
-          <p:cNvPr id="8" name="Slide Number Placeholder 7"/>
-          <p:cNvSpPr>
-            <a:spLocks noGrp="1"/>
-          </p:cNvSpPr>
-          <p:nvPr>
-            <p:ph type="sldNum" sz="quarter" idx="12"/>
-          </p:nvPr>
-        </p:nvSpPr>
-        <p:spPr/>
-        <p:txBody>
-          <a:bodyPr/>
-          <a:lstStyle/>
-          <a:p>
-            <a:pPr>
-              <a:defRPr/>
-            </a:pPr>
-            <a:fld id="{3A57ADD0-007F-4610-9D7D-5E5ADEAA50E0}" type="slidenum">
-              <a:rPr lang="da-DK" altLang="da-DK" smtClean="0"/>
-              <a:pPr>
-                <a:defRPr/>
-              </a:pPr>
-              <a:t>16</a:t>
-            </a:fld>
-            <a:endParaRPr lang="da-DK" altLang="da-DK" dirty="0"/>
-          </a:p>
-        </p:txBody>
-      </p:sp>
-      <p:sp>
-        <p:nvSpPr>
-          <p:cNvPr id="6" name="Rectangle 3"/>
-          <p:cNvSpPr txBox="1">
-            <a:spLocks noChangeArrowheads="1"/>
-          </p:cNvSpPr>
-          <p:nvPr/>
-        </p:nvSpPr>
-        <p:spPr bwMode="auto">
-          <a:xfrm>
-            <a:off x="438576" y="1087002"/>
-            <a:ext cx="8352160" cy="3782158"/>
-          </a:xfrm>
-          <a:prstGeom prst="rect">
-            <a:avLst/>
-          </a:prstGeom>
-          <a:noFill/>
-          <a:ln>
-            <a:noFill/>
-          </a:ln>
-          <a:effectLst/>
-          <a:extLst>
-            <a:ext uri="{909E8E84-426E-40DD-AFC4-6F175D3DCCD1}">
-              <a14:hiddenFill xmlns:a14="http://schemas.microsoft.com/office/drawing/2010/main">
-                <a:solidFill>
-                  <a:schemeClr val="accent1"/>
-                </a:solidFill>
-              </a14:hiddenFill>
-            </a:ext>
-            <a:ext uri="{91240B29-F687-4F45-9708-019B960494DF}">
-              <a14:hiddenLine xmlns:a14="http://schemas.microsoft.com/office/drawing/2010/main" w="9525">
-                <a:solidFill>
-                  <a:schemeClr val="tx1"/>
-                </a:solidFill>
-                <a:miter lim="800000"/>
-                <a:headEnd/>
-                <a:tailEnd/>
-              </a14:hiddenLine>
-            </a:ext>
-            <a:ext uri="{AF507438-7753-43E0-B8FC-AC1667EBCBE1}">
-              <a14:hiddenEffects xmlns:a14="http://schemas.microsoft.com/office/drawing/2010/main">
-                <a:effectLst>
-                  <a:outerShdw blurRad="63500" dist="38099" dir="2700000" algn="ctr" rotWithShape="0">
-                    <a:schemeClr val="bg2">
-                      <a:alpha val="74998"/>
-                    </a:schemeClr>
-                  </a:outerShdw>
-                </a:effectLst>
-              </a14:hiddenEffects>
-            </a:ext>
-            <a:ext uri="{FAA26D3D-D897-4be2-8F04-BA451C77F1D7}"/>
-          </a:extLst>
-        </p:spPr>
-        <p:txBody>
-          <a:bodyPr vert="horz" wrap="square" lIns="91440" tIns="45720" rIns="91440" bIns="45720" numCol="1" anchor="t" anchorCtr="0" compatLnSpc="1">
-            <a:prstTxWarp prst="textNoShape">
-              <a:avLst/>
-            </a:prstTxWarp>
-          </a:bodyPr>
-          <a:lstStyle>
-            <a:lvl1pPr marL="342900" indent="-342900" algn="l" rtl="0" eaLnBrk="0" fontAlgn="base" hangingPunct="0">
-              <a:spcBef>
-                <a:spcPct val="20000"/>
-              </a:spcBef>
-              <a:spcAft>
-                <a:spcPct val="0"/>
-              </a:spcAft>
-              <a:buChar char="•"/>
-              <a:defRPr sz="2400" b="1">
-                <a:solidFill>
-                  <a:srgbClr val="A50021"/>
-                </a:solidFill>
-                <a:latin typeface="+mn-lt"/>
-                <a:ea typeface="+mn-ea"/>
-                <a:cs typeface="ＭＳ Ｐゴシック" charset="0"/>
-              </a:defRPr>
-            </a:lvl1pPr>
-            <a:lvl2pPr marL="742950" indent="-285750" algn="l" rtl="0" eaLnBrk="0" fontAlgn="base" hangingPunct="0">
-              <a:spcBef>
-                <a:spcPct val="20000"/>
-              </a:spcBef>
-              <a:spcAft>
-                <a:spcPct val="0"/>
-              </a:spcAft>
-              <a:buChar char="–"/>
-              <a:defRPr sz="2000">
-                <a:solidFill>
-                  <a:srgbClr val="000066"/>
-                </a:solidFill>
-                <a:latin typeface="+mn-lt"/>
-                <a:ea typeface="+mn-ea"/>
-              </a:defRPr>
-            </a:lvl2pPr>
-            <a:lvl3pPr marL="1143000" indent="-228600" algn="l" rtl="0" eaLnBrk="0" fontAlgn="base" hangingPunct="0">
-              <a:spcBef>
-                <a:spcPct val="20000"/>
-              </a:spcBef>
-              <a:spcAft>
-                <a:spcPct val="0"/>
-              </a:spcAft>
-              <a:buChar char="•"/>
-              <a:defRPr sz="1600">
-                <a:solidFill>
-                  <a:srgbClr val="000066"/>
-                </a:solidFill>
-                <a:latin typeface="+mn-lt"/>
-                <a:ea typeface="+mn-ea"/>
-              </a:defRPr>
-            </a:lvl3pPr>
-            <a:lvl4pPr marL="1600200" indent="-228600" algn="l" rtl="0" eaLnBrk="0" fontAlgn="base" hangingPunct="0">
-              <a:spcBef>
-                <a:spcPct val="20000"/>
-              </a:spcBef>
-              <a:spcAft>
-                <a:spcPct val="0"/>
-              </a:spcAft>
-              <a:buChar char="–"/>
-              <a:defRPr sz="1600">
-                <a:solidFill>
-                  <a:schemeClr val="tx1"/>
-                </a:solidFill>
-                <a:latin typeface="Times New Roman" charset="0"/>
-                <a:ea typeface="+mn-ea"/>
-              </a:defRPr>
-            </a:lvl4pPr>
-            <a:lvl5pPr marL="2057400" indent="-228600" algn="l" rtl="0" eaLnBrk="0" fontAlgn="base" hangingPunct="0">
-              <a:spcBef>
-                <a:spcPct val="20000"/>
-              </a:spcBef>
-              <a:spcAft>
-                <a:spcPct val="0"/>
-              </a:spcAft>
-              <a:buChar char="»"/>
-              <a:defRPr sz="1200">
-                <a:solidFill>
-                  <a:schemeClr val="tx1"/>
-                </a:solidFill>
-                <a:latin typeface="Times New Roman" charset="0"/>
-                <a:ea typeface="+mn-ea"/>
-              </a:defRPr>
-            </a:lvl5pPr>
-            <a:lvl6pPr marL="2514600" indent="-228600" algn="l" rtl="0" fontAlgn="base">
-              <a:spcBef>
-                <a:spcPct val="20000"/>
-              </a:spcBef>
-              <a:spcAft>
-                <a:spcPct val="0"/>
-              </a:spcAft>
-              <a:buChar char="»"/>
-              <a:defRPr sz="1200">
-                <a:solidFill>
-                  <a:schemeClr val="tx1"/>
-                </a:solidFill>
-                <a:latin typeface="Times New Roman" charset="0"/>
-                <a:ea typeface="+mn-ea"/>
-              </a:defRPr>
-            </a:lvl6pPr>
-            <a:lvl7pPr marL="2971800" indent="-228600" algn="l" rtl="0" fontAlgn="base">
-              <a:spcBef>
-                <a:spcPct val="20000"/>
-              </a:spcBef>
-              <a:spcAft>
-                <a:spcPct val="0"/>
-              </a:spcAft>
-              <a:buChar char="»"/>
-              <a:defRPr sz="1200">
-                <a:solidFill>
-                  <a:schemeClr val="tx1"/>
-                </a:solidFill>
-                <a:latin typeface="Times New Roman" charset="0"/>
-                <a:ea typeface="+mn-ea"/>
-              </a:defRPr>
-            </a:lvl7pPr>
-            <a:lvl8pPr marL="3429000" indent="-228600" algn="l" rtl="0" fontAlgn="base">
-              <a:spcBef>
-                <a:spcPct val="20000"/>
-              </a:spcBef>
-              <a:spcAft>
-                <a:spcPct val="0"/>
-              </a:spcAft>
-              <a:buChar char="»"/>
-              <a:defRPr sz="1200">
-                <a:solidFill>
-                  <a:schemeClr val="tx1"/>
-                </a:solidFill>
-                <a:latin typeface="Times New Roman" charset="0"/>
-                <a:ea typeface="+mn-ea"/>
-              </a:defRPr>
-            </a:lvl8pPr>
-            <a:lvl9pPr marL="3886200" indent="-228600" algn="l" rtl="0" fontAlgn="base">
-              <a:spcBef>
-                <a:spcPct val="20000"/>
-              </a:spcBef>
-              <a:spcAft>
-                <a:spcPct val="0"/>
-              </a:spcAft>
-              <a:buChar char="»"/>
-              <a:defRPr sz="1200">
-                <a:solidFill>
-                  <a:schemeClr val="tx1"/>
-                </a:solidFill>
-                <a:latin typeface="Times New Roman" charset="0"/>
-                <a:ea typeface="+mn-ea"/>
-              </a:defRPr>
-            </a:lvl9pPr>
-          </a:lstStyle>
-          <a:p>
-            <a:pPr marL="271463" lvl="1" indent="-271463">
-              <a:spcBef>
-                <a:spcPts val="1200"/>
-              </a:spcBef>
-              <a:buFontTx/>
-              <a:buChar char="•"/>
-            </a:pPr>
-            <a:r>
-              <a:rPr lang="en-US" sz="1800" b="1" kern="0" dirty="0" smtClean="0">
-                <a:solidFill>
-                  <a:srgbClr val="A50021"/>
-                </a:solidFill>
-                <a:cs typeface="ＭＳ Ｐゴシック" charset="0"/>
-              </a:rPr>
-              <a:t>List of journals and conferences (not individual papers)</a:t>
-            </a:r>
-            <a:endParaRPr lang="en-US" sz="1800" b="1" kern="0" dirty="0">
-              <a:solidFill>
-                <a:srgbClr val="A50021"/>
-              </a:solidFill>
-              <a:cs typeface="ＭＳ Ｐゴシック" charset="0"/>
-            </a:endParaRPr>
-          </a:p>
-          <a:p>
-            <a:pPr marL="728663" lvl="1" indent="-271463">
-              <a:spcBef>
-                <a:spcPts val="300"/>
-              </a:spcBef>
-            </a:pPr>
-            <a:r>
-              <a:rPr lang="en-US" sz="1600" kern="0" dirty="0"/>
-              <a:t>The Bibliometric Research Indicator (BFI) provides an overview of research publications from </a:t>
-            </a:r>
-            <a:r>
-              <a:rPr lang="en-US" sz="1600" b="1" kern="0" dirty="0">
-                <a:solidFill>
-                  <a:srgbClr val="008000"/>
-                </a:solidFill>
-              </a:rPr>
-              <a:t>Danish </a:t>
-            </a:r>
-            <a:r>
-              <a:rPr lang="en-US" sz="1600" b="1" kern="0" dirty="0" smtClean="0">
-                <a:solidFill>
-                  <a:srgbClr val="008000"/>
-                </a:solidFill>
-              </a:rPr>
-              <a:t>universities</a:t>
-            </a:r>
-            <a:endParaRPr lang="en-US" sz="1600" kern="0" dirty="0"/>
-          </a:p>
-          <a:p>
-            <a:pPr marL="728663" lvl="1" indent="-271463">
-              <a:spcBef>
-                <a:spcPts val="300"/>
-              </a:spcBef>
-              <a:buFontTx/>
-              <a:buChar char="–"/>
-            </a:pPr>
-            <a:r>
-              <a:rPr lang="en-US" altLang="da-DK" sz="1600" kern="0" dirty="0" smtClean="0"/>
-              <a:t>Within each research area (such as computer science), all peer-reviewed publications are divided into two groups (by an appointed group of scientists)</a:t>
-            </a:r>
-          </a:p>
-          <a:p>
-            <a:pPr marL="728663" lvl="1" indent="-271463">
-              <a:spcBef>
-                <a:spcPts val="300"/>
-              </a:spcBef>
-              <a:buFontTx/>
-              <a:buChar char="–"/>
-            </a:pPr>
-            <a:r>
-              <a:rPr lang="en-US" altLang="da-DK" sz="1600" kern="0" dirty="0" smtClean="0"/>
-              <a:t>A publication in the best group gives 3 points, while a publication in the other group only gives 1 point</a:t>
-            </a:r>
-          </a:p>
-          <a:p>
-            <a:pPr marL="728663" lvl="1" indent="-271463">
-              <a:spcBef>
-                <a:spcPts val="300"/>
-              </a:spcBef>
-              <a:buFontTx/>
-              <a:buChar char="–"/>
-            </a:pPr>
-            <a:r>
-              <a:rPr lang="en-US" altLang="da-DK" sz="1600" kern="0" spc="-40" dirty="0" smtClean="0"/>
-              <a:t>Total number of points are used to distribute money between the Danish universities</a:t>
-            </a:r>
-          </a:p>
-          <a:p>
-            <a:pPr marL="728663" lvl="1" indent="-271463">
-              <a:spcBef>
-                <a:spcPts val="300"/>
-              </a:spcBef>
-              <a:buFontTx/>
-              <a:buChar char="–"/>
-            </a:pPr>
-            <a:r>
-              <a:rPr lang="en-US" altLang="da-DK" sz="1600" kern="0" dirty="0" smtClean="0"/>
-              <a:t>Conferences also count within computer science (but not in other areas)</a:t>
-            </a:r>
-          </a:p>
-          <a:p>
-            <a:pPr marL="271463" lvl="1" indent="-271463">
-              <a:spcBef>
-                <a:spcPts val="1200"/>
-              </a:spcBef>
-              <a:buFontTx/>
-              <a:buChar char="•"/>
-            </a:pPr>
-            <a:r>
-              <a:rPr lang="en-US" altLang="da-DK" sz="1800" b="1" kern="0" dirty="0">
-                <a:solidFill>
-                  <a:srgbClr val="A50021"/>
-                </a:solidFill>
-                <a:cs typeface="ＭＳ Ｐゴシック" charset="0"/>
-              </a:rPr>
-              <a:t>Use</a:t>
-            </a:r>
-          </a:p>
-          <a:p>
-            <a:pPr marL="728663" lvl="1" indent="-271463">
-              <a:spcBef>
-                <a:spcPts val="300"/>
-              </a:spcBef>
-              <a:buFontTx/>
-              <a:buChar char="–"/>
-            </a:pPr>
-            <a:r>
-              <a:rPr lang="en-US" altLang="da-DK" sz="1600" kern="0" dirty="0" smtClean="0"/>
-              <a:t>BFI can be used to compare universities, faculties and departments – but only within Denmark</a:t>
-            </a:r>
-          </a:p>
-          <a:p>
-            <a:pPr marL="728663" lvl="1" indent="-271463">
-              <a:spcBef>
-                <a:spcPts val="300"/>
-              </a:spcBef>
-              <a:buFontTx/>
-              <a:buChar char="–"/>
-            </a:pPr>
-            <a:r>
-              <a:rPr lang="en-US" altLang="da-DK" sz="1600" kern="0" dirty="0" smtClean="0"/>
-              <a:t>It cannot be used to find individual publications or individual persons</a:t>
-            </a:r>
-          </a:p>
-          <a:p>
-            <a:pPr marL="271463" lvl="1" indent="-271463">
-              <a:spcBef>
-                <a:spcPts val="1200"/>
-              </a:spcBef>
-              <a:buFontTx/>
-              <a:buChar char="•"/>
-            </a:pPr>
-            <a:r>
-              <a:rPr lang="en-GB" altLang="da-DK" sz="1800" b="1" kern="0" dirty="0">
-                <a:solidFill>
-                  <a:srgbClr val="A50021"/>
-                </a:solidFill>
-                <a:cs typeface="ＭＳ Ｐゴシック" charset="0"/>
-              </a:rPr>
-              <a:t>Links</a:t>
-            </a:r>
-          </a:p>
-          <a:p>
-            <a:pPr marL="728663" lvl="1" indent="-271463">
-              <a:spcBef>
-                <a:spcPts val="300"/>
-              </a:spcBef>
-            </a:pPr>
-            <a:r>
-              <a:rPr lang="en-GB" altLang="da-DK" sz="1600" kern="0" dirty="0" smtClean="0"/>
-              <a:t>Data base and information   </a:t>
-            </a:r>
-            <a:r>
-              <a:rPr lang="en-GB" altLang="da-DK" sz="1600" kern="0" dirty="0" smtClean="0">
-                <a:hlinkClick r:id="rId3"/>
-              </a:rPr>
-              <a:t>Link</a:t>
-            </a:r>
-            <a:endParaRPr lang="en-US" altLang="da-DK" sz="1600" kern="0" dirty="0"/>
-          </a:p>
-        </p:txBody>
-      </p:sp>
-    </p:spTree>
-    <p:extLst>
-      <p:ext uri="{BB962C8B-B14F-4D97-AF65-F5344CB8AC3E}">
-        <p14:creationId xmlns:p14="http://schemas.microsoft.com/office/powerpoint/2010/main" val="1848004867"/>
-      </p:ext>
-    </p:extLst>
-  </p:cSld>
-  <p:clrMapOvr>
-    <a:masterClrMapping/>
-  </p:clrMapOvr>
-  <p:timing>
-    <p:tnLst>
-      <p:par>
-        <p:cTn id="1" dur="indefinite" restart="never" nodeType="tmRoot"/>
-      </p:par>
-    </p:tnLst>
-  </p:timing>
-</p:sld>
-</file>
-
-<file path=ppt/slides/slide17.xml><?xml version="1.0" encoding="utf-8"?>
-<p:sld xmlns:a="http://schemas.openxmlformats.org/drawingml/2006/main" xmlns:r="http://schemas.openxmlformats.org/officeDocument/2006/relationships" xmlns:p="http://schemas.openxmlformats.org/presentationml/2006/main">
-  <p:cSld>
-    <p:spTree>
-      <p:nvGrpSpPr>
-        <p:cNvPr id="1" name=""/>
-        <p:cNvGrpSpPr/>
-        <p:nvPr/>
-      </p:nvGrpSpPr>
-      <p:grpSpPr>
-        <a:xfrm>
-          <a:off x="0" y="0"/>
-          <a:ext cx="0" cy="0"/>
-          <a:chOff x="0" y="0"/>
-          <a:chExt cx="0" cy="0"/>
-        </a:xfrm>
-      </p:grpSpPr>
       <p:pic>
         <p:nvPicPr>
           <p:cNvPr id="9" name="Picture 8"/>
@@ -10146,7 +9444,7 @@
               <a:pPr>
                 <a:defRPr/>
               </a:pPr>
-              <a:t>17</a:t>
+              <a:t>16</a:t>
             </a:fld>
             <a:endParaRPr lang="da-DK" altLang="da-DK" dirty="0"/>
           </a:p>
@@ -10620,7 +9918,7 @@
 </p:sld>
 </file>
 
-<file path=ppt/slides/slide18.xml><?xml version="1.0" encoding="utf-8"?>
+<file path=ppt/slides/slide17.xml><?xml version="1.0" encoding="utf-8"?>
 <p:sld xmlns:a="http://schemas.openxmlformats.org/drawingml/2006/main" xmlns:r="http://schemas.openxmlformats.org/officeDocument/2006/relationships" xmlns:p="http://schemas.openxmlformats.org/presentationml/2006/main">
   <p:cSld>
     <p:spTree>
@@ -10696,7 +9994,7 @@
               <a:pPr>
                 <a:defRPr/>
               </a:pPr>
-              <a:t>18</a:t>
+              <a:t>17</a:t>
             </a:fld>
             <a:endParaRPr lang="da-DK" altLang="da-DK" dirty="0"/>
           </a:p>
@@ -12062,11 +11360,7 @@
             </a:r>
             <a:r>
               <a:rPr lang="en-GB" altLang="da-DK" sz="1600" spc="-30" dirty="0" smtClean="0"/>
-              <a:t>those they believe to be the most knowledgeable within the area of the </a:t>
-            </a:r>
-            <a:r>
-              <a:rPr lang="en-GB" altLang="da-DK" sz="1600" spc="-30" dirty="0" smtClean="0"/>
-              <a:t>paper</a:t>
+              <a:t>those they believe to be the most knowledgeable within the area of the paper</a:t>
             </a:r>
           </a:p>
           <a:p>
@@ -12083,7 +11377,6 @@
               <a:rPr lang="en-GB" altLang="da-DK" sz="1600" spc="-30" dirty="0" smtClean="0"/>
               <a:t>ach paper is sent to 2-4 PC-members</a:t>
             </a:r>
-            <a:endParaRPr lang="en-GB" altLang="da-DK" sz="1600" spc="-30" dirty="0" smtClean="0"/>
           </a:p>
           <a:p>
             <a:pPr marL="728663" lvl="1" indent="-271463">
